--- a/pdfextraction/content/output/A Survey of South American Lizards Biodiversity and Ecological.pptx
+++ b/pdfextraction/content/output/A Survey of South American Lizards Biodiversity and Ecological.pptx
@@ -23,6 +23,12 @@
     <p:sldId id="268" r:id="rId30"/>
     <p:sldId id="269" r:id="rId31"/>
     <p:sldId id="270" r:id="rId32"/>
+    <p:sldId id="271" r:id="rId33"/>
+    <p:sldId id="272" r:id="rId34"/>
+    <p:sldId id="273" r:id="rId35"/>
+    <p:sldId id="274" r:id="rId36"/>
+    <p:sldId id="275" r:id="rId37"/>
+    <p:sldId id="276" r:id="rId38"/>
   </p:sldIdLst>
   <p:sldSz cx="12192000" cy="6858000"/>
   <p:notesSz cx="6858000" cy="9144000"/>
@@ -37910,7 +37916,7 @@
           <a:p>
             <a:r>
               <a:rPr lang="en-US"/>
-              <a:t>Green Iguana (Iguana iguana)</a:t>
+              <a:t>Leiosauridae</a:t>
             </a:r>
             <a:endParaRPr lang="en-US"/>
           </a:p>
@@ -37944,8 +37950,7 @@
           <a:p>
             <a:r>
               <a:rPr lang="en-US"/>
-              <a:t> The Green Iguana is a large lizard species found in Central and South America.
- It is known for its vibrant green coloration and spends much of its time in the treetops.</a:t>
+              <a:t>7. Leiosauridae This family comprises various \"perching lizards\" found across South America. They are typically diurnal and often seen basking in the sun on rocks and branches.</a:t>
             </a:r>
           </a:p>
         </p:txBody>
@@ -37959,6 +37964,182 @@
 </file>
 
 <file path=ppt/slides/slide11.xml><?xml version="1.0" encoding="utf-8"?>
+<p:sld xmlns:p="http://schemas.openxmlformats.org/presentationml/2006/main" xmlns:a="http://schemas.openxmlformats.org/drawingml/2006/main">
+  <p:cSld>
+    <p:spTree>
+      <p:nvGrpSpPr>
+        <p:cNvPr id="1" name=""/>
+        <p:cNvGrpSpPr/>
+        <p:nvPr/>
+      </p:nvGrpSpPr>
+      <p:grpSpPr>
+        <a:xfrm>
+          <a:off x="0" y="0"/>
+          <a:ext cx="0" cy="0"/>
+          <a:chOff x="0" y="0"/>
+          <a:chExt cx="0" cy="0"/>
+        </a:xfrm>
+      </p:grpSpPr>
+      <p:sp xmlns:r="http://schemas.openxmlformats.org/officeDocument/2006/relationships">
+        <p:nvSpPr>
+          <p:cNvPr id="2" name="Title 1">
+            <a:extLst>
+              <a:ext uri="{FF2B5EF4-FFF2-40B4-BE49-F238E27FC236}">
+                <a16:creationId xmlns:a16="http://schemas.microsoft.com/office/drawing/2014/main" id="{7230846B-7B57-4F95-B17F-B9DEE339408B}"/>
+              </a:ext>
+            </a:extLst>
+          </p:cNvPr>
+          <p:cNvSpPr>
+            <a:spLocks noGrp="1"/>
+          </p:cNvSpPr>
+          <p:nvPr>
+            <p:ph type="title"/>
+          </p:nvPr>
+        </p:nvSpPr>
+        <p:spPr/>
+        <p:txBody>
+          <a:bodyPr/>
+          <a:lstStyle/>
+          <a:p>
+            <a:r>
+              <a:rPr lang="en-US"/>
+              <a:t>Polychrotidae</a:t>
+            </a:r>
+            <a:endParaRPr lang="en-US"/>
+          </a:p>
+        </p:txBody>
+      </p:sp>
+      <p:sp xmlns:r="http://schemas.openxmlformats.org/officeDocument/2006/relationships">
+        <p:nvSpPr>
+          <p:cNvPr id="3" name="Content Placeholder 2">
+            <a:extLst>
+              <a:ext uri="{FF2B5EF4-FFF2-40B4-BE49-F238E27FC236}">
+                <a16:creationId xmlns:a16="http://schemas.microsoft.com/office/drawing/2014/main" id="{E9B08814-722A-4F2C-8807-C09FEEC251E7}"/>
+              </a:ext>
+            </a:extLst>
+          </p:cNvPr>
+          <p:cNvSpPr>
+            <a:spLocks noGrp="1"/>
+          </p:cNvSpPr>
+          <p:nvPr>
+            <p:ph idx="1"/>
+          </p:nvPr>
+        </p:nvSpPr>
+        <p:spPr>
+          <a:xfrm>
+            <a:off x="838200" y="2438403"/>
+            <a:ext cx="10515600" cy="3545204"/>
+          </a:xfrm>
+        </p:spPr>
+        <p:txBody>
+          <a:bodyPr/>
+          <a:lstStyle/>
+          <a:p>
+            <a:r>
+              <a:rPr lang="en-US"/>
+              <a:t> The continent of South America is home to numerous lizard species.
+ These lizards are part of several distinct families.
+ Each family plays a unique ecological role in its respective habitat.</a:t>
+            </a:r>
+          </a:p>
+        </p:txBody>
+      </p:sp>
+    </p:spTree>
+  </p:cSld>
+  <p:clrMapOvr>
+    <a:masterClrMapping/>
+  </p:clrMapOvr>
+</p:sld>
+</file>
+
+<file path=ppt/slides/slide12.xml><?xml version="1.0" encoding="utf-8"?>
+<p:sld xmlns:p="http://schemas.openxmlformats.org/presentationml/2006/main" xmlns:a="http://schemas.openxmlformats.org/drawingml/2006/main">
+  <p:cSld>
+    <p:spTree>
+      <p:nvGrpSpPr>
+        <p:cNvPr id="1" name=""/>
+        <p:cNvGrpSpPr/>
+        <p:nvPr/>
+      </p:nvGrpSpPr>
+      <p:grpSpPr>
+        <a:xfrm>
+          <a:off x="0" y="0"/>
+          <a:ext cx="0" cy="0"/>
+          <a:chOff x="0" y="0"/>
+          <a:chExt cx="0" cy="0"/>
+        </a:xfrm>
+      </p:grpSpPr>
+      <p:sp xmlns:r="http://schemas.openxmlformats.org/officeDocument/2006/relationships">
+        <p:nvSpPr>
+          <p:cNvPr id="2" name="Title 1">
+            <a:extLst>
+              <a:ext uri="{FF2B5EF4-FFF2-40B4-BE49-F238E27FC236}">
+                <a16:creationId xmlns:a16="http://schemas.microsoft.com/office/drawing/2014/main" id="{7230846B-7B57-4F95-B17F-B9DEE339408B}"/>
+              </a:ext>
+            </a:extLst>
+          </p:cNvPr>
+          <p:cNvSpPr>
+            <a:spLocks noGrp="1"/>
+          </p:cNvSpPr>
+          <p:nvPr>
+            <p:ph type="title"/>
+          </p:nvPr>
+        </p:nvSpPr>
+        <p:spPr/>
+        <p:txBody>
+          <a:bodyPr/>
+          <a:lstStyle/>
+          <a:p>
+            <a:r>
+              <a:rPr lang="en-US"/>
+              <a:t>Representative Species</a:t>
+            </a:r>
+            <a:endParaRPr lang="en-US"/>
+          </a:p>
+        </p:txBody>
+      </p:sp>
+      <p:sp xmlns:r="http://schemas.openxmlformats.org/officeDocument/2006/relationships">
+        <p:nvSpPr>
+          <p:cNvPr id="3" name="Content Placeholder 2">
+            <a:extLst>
+              <a:ext uri="{FF2B5EF4-FFF2-40B4-BE49-F238E27FC236}">
+                <a16:creationId xmlns:a16="http://schemas.microsoft.com/office/drawing/2014/main" id="{E9B08814-722A-4F2C-8807-C09FEEC251E7}"/>
+              </a:ext>
+            </a:extLst>
+          </p:cNvPr>
+          <p:cNvSpPr>
+            <a:spLocks noGrp="1"/>
+          </p:cNvSpPr>
+          <p:nvPr>
+            <p:ph idx="1"/>
+          </p:nvPr>
+        </p:nvSpPr>
+        <p:spPr>
+          <a:xfrm>
+            <a:off x="838200" y="2438403"/>
+            <a:ext cx="10515600" cy="3545204"/>
+          </a:xfrm>
+        </p:spPr>
+        <p:txBody>
+          <a:bodyPr/>
+          <a:lstStyle/>
+          <a:p>
+            <a:r>
+              <a:rPr lang="en-US"/>
+              <a:t>Representative Species Describe notable lizard species from different families found in South America, including but not limited to the following examples:</a:t>
+            </a:r>
+          </a:p>
+        </p:txBody>
+      </p:sp>
+    </p:spTree>
+  </p:cSld>
+  <p:clrMapOvr>
+    <a:masterClrMapping/>
+  </p:clrMapOvr>
+</p:sld>
+</file>
+
+<file path=ppt/slides/slide13.xml><?xml version="1.0" encoding="utf-8"?>
 <p:sld xmlns:p="http://schemas.openxmlformats.org/presentationml/2006/main" xmlns:a="http://schemas.openxmlformats.org/drawingml/2006/main" xmlns:r="http://schemas.openxmlformats.org/officeDocument/2006/relationships">
   <p:cSld>
     <p:spTree>
@@ -38007,7 +38188,96 @@
 </p:sld>
 </file>
 
-<file path=ppt/slides/slide12.xml><?xml version="1.0" encoding="utf-8"?>
+<file path=ppt/slides/slide14.xml><?xml version="1.0" encoding="utf-8"?>
+<p:sld xmlns:p="http://schemas.openxmlformats.org/presentationml/2006/main" xmlns:a="http://schemas.openxmlformats.org/drawingml/2006/main">
+  <p:cSld>
+    <p:spTree>
+      <p:nvGrpSpPr>
+        <p:cNvPr id="1" name=""/>
+        <p:cNvGrpSpPr/>
+        <p:nvPr/>
+      </p:nvGrpSpPr>
+      <p:grpSpPr>
+        <a:xfrm>
+          <a:off x="0" y="0"/>
+          <a:ext cx="0" cy="0"/>
+          <a:chOff x="0" y="0"/>
+          <a:chExt cx="0" cy="0"/>
+        </a:xfrm>
+      </p:grpSpPr>
+      <p:sp xmlns:r="http://schemas.openxmlformats.org/officeDocument/2006/relationships">
+        <p:nvSpPr>
+          <p:cNvPr id="2" name="Title 1">
+            <a:extLst>
+              <a:ext uri="{FF2B5EF4-FFF2-40B4-BE49-F238E27FC236}">
+                <a16:creationId xmlns:a16="http://schemas.microsoft.com/office/drawing/2014/main" id="{7230846B-7B57-4F95-B17F-B9DEE339408B}"/>
+              </a:ext>
+            </a:extLst>
+          </p:cNvPr>
+          <p:cNvSpPr>
+            <a:spLocks noGrp="1"/>
+          </p:cNvSpPr>
+          <p:nvPr>
+            <p:ph type="title"/>
+          </p:nvPr>
+        </p:nvSpPr>
+        <p:spPr/>
+        <p:txBody>
+          <a:bodyPr/>
+          <a:lstStyle/>
+          <a:p>
+            <a:r>
+              <a:rPr lang="en-US"/>
+              <a:t>Green Iguana (Iguana iguana)</a:t>
+            </a:r>
+            <a:endParaRPr lang="en-US"/>
+          </a:p>
+        </p:txBody>
+      </p:sp>
+      <p:sp xmlns:r="http://schemas.openxmlformats.org/officeDocument/2006/relationships">
+        <p:nvSpPr>
+          <p:cNvPr id="3" name="Content Placeholder 2">
+            <a:extLst>
+              <a:ext uri="{FF2B5EF4-FFF2-40B4-BE49-F238E27FC236}">
+                <a16:creationId xmlns:a16="http://schemas.microsoft.com/office/drawing/2014/main" id="{E9B08814-722A-4F2C-8807-C09FEEC251E7}"/>
+              </a:ext>
+            </a:extLst>
+          </p:cNvPr>
+          <p:cNvSpPr>
+            <a:spLocks noGrp="1"/>
+          </p:cNvSpPr>
+          <p:nvPr>
+            <p:ph idx="1"/>
+          </p:nvPr>
+        </p:nvSpPr>
+        <p:spPr>
+          <a:xfrm>
+            <a:off x="838200" y="2438403"/>
+            <a:ext cx="10515600" cy="3545204"/>
+          </a:xfrm>
+        </p:spPr>
+        <p:txBody>
+          <a:bodyPr/>
+          <a:lstStyle/>
+          <a:p>
+            <a:r>
+              <a:rPr lang="en-US"/>
+              <a:t> The Green Iguana is a large lizard species found in Central and South America.
+ It is known for its vibrant green coloration and spends much of its time in the treetops.
+ The Green Iguana faces conservation concerns due to habitat loss and poaching.</a:t>
+            </a:r>
+          </a:p>
+        </p:txBody>
+      </p:sp>
+    </p:spTree>
+  </p:cSld>
+  <p:clrMapOvr>
+    <a:masterClrMapping/>
+  </p:clrMapOvr>
+</p:sld>
+</file>
+
+<file path=ppt/slides/slide15.xml><?xml version="1.0" encoding="utf-8"?>
 <p:sld xmlns:p="http://schemas.openxmlformats.org/presentationml/2006/main" xmlns:a="http://schemas.openxmlformats.org/drawingml/2006/main">
   <p:cSld>
     <p:spTree>
@@ -38081,9 +38351,8 @@
           <a:p>
             <a:r>
               <a:rPr lang="en-US"/>
-              <a:t> The Caiman Lizard (Dracaena guianensis) is a captivating reptile native to South America.
- It is welladapted to a semiaquatic lifestyle and plays a vital role in controlling aquatic vegetation.
- However, it faces threats such as habitat destruction and illegal trade, making conservation efforts crucial.</a:t>
+              <a:t> The Caiman Lizard is a captivating reptile native to South America.
+ It possesses a unique set of features, making it stand out among its lizard counterparts.</a:t>
             </a:r>
           </a:p>
         </p:txBody>
@@ -38096,7 +38365,7 @@
 </p:sld>
 </file>
 
-<file path=ppt/slides/slide13.xml><?xml version="1.0" encoding="utf-8"?>
+<file path=ppt/slides/slide16.xml><?xml version="1.0" encoding="utf-8"?>
 <p:sld xmlns:p="http://schemas.openxmlformats.org/presentationml/2006/main" xmlns:a="http://schemas.openxmlformats.org/drawingml/2006/main" xmlns:r="http://schemas.openxmlformats.org/officeDocument/2006/relationships">
   <p:cSld>
     <p:spTree>
@@ -38129,8 +38398,8 @@
         </p:blipFill>
         <p:spPr>
           <a:xfrm>
-            <a:off x="2997200" y="1104900"/>
-            <a:ext cx="6197600" cy="4648200"/>
+            <a:off x="2540000" y="762000"/>
+            <a:ext cx="7112000" cy="5334000"/>
           </a:xfrm>
           <a:prstGeom prst="rect">
             <a:avLst/>
@@ -38145,7 +38414,7 @@
 </p:sld>
 </file>
 
-<file path=ppt/slides/slide14.xml><?xml version="1.0" encoding="utf-8"?>
+<file path=ppt/slides/slide17.xml><?xml version="1.0" encoding="utf-8"?>
 <p:sld xmlns:p="http://schemas.openxmlformats.org/presentationml/2006/main" xmlns:a="http://schemas.openxmlformats.org/drawingml/2006/main" xmlns:r="http://schemas.openxmlformats.org/officeDocument/2006/relationships">
   <p:cSld>
     <p:spTree>
@@ -38178,8 +38447,8 @@
         </p:blipFill>
         <p:spPr>
           <a:xfrm>
-            <a:off x="2692400" y="1028700"/>
-            <a:ext cx="6819900" cy="4813300"/>
+            <a:off x="2184400" y="673100"/>
+            <a:ext cx="7835900" cy="5524500"/>
           </a:xfrm>
           <a:prstGeom prst="rect">
             <a:avLst/>
@@ -38194,7 +38463,7 @@
 </p:sld>
 </file>
 
-<file path=ppt/slides/slide15.xml><?xml version="1.0" encoding="utf-8"?>
+<file path=ppt/slides/slide18.xml><?xml version="1.0" encoding="utf-8"?>
 <p:sld xmlns:p="http://schemas.openxmlformats.org/presentationml/2006/main" xmlns:a="http://schemas.openxmlformats.org/drawingml/2006/main">
   <p:cSld>
     <p:spTree>
@@ -38268,9 +38537,98 @@
           <a:p>
             <a:r>
               <a:rPr lang="en-US"/>
-              <a:t> South America is home to a diverse array of lizards, including the Green Iguana, Caiman Lizard, and Tepui Lizard.
- Each species plays a unique ecological role within its respective habitat, contributing to the overall balance and health of the ecosystem.
- However, they face various threats, such as habitat loss, climate change, and illegal trade, which necessitate urgent conservation efforts.</a:t>
+              <a:t> The Tepui Lizard is a unique reptile found in the isolated and rocky habitats of the Tepui plateaus in South America.
+ They are insectivorous and have developed remarkable adaptations to their specific environment.
+ Despite their intriguing characteristics, the Tepui Lizard remains relatively understudied.</a:t>
+            </a:r>
+          </a:p>
+        </p:txBody>
+      </p:sp>
+    </p:spTree>
+  </p:cSld>
+  <p:clrMapOvr>
+    <a:masterClrMapping/>
+  </p:clrMapOvr>
+</p:sld>
+</file>
+
+<file path=ppt/slides/slide19.xml><?xml version="1.0" encoding="utf-8"?>
+<p:sld xmlns:p="http://schemas.openxmlformats.org/presentationml/2006/main" xmlns:a="http://schemas.openxmlformats.org/drawingml/2006/main">
+  <p:cSld>
+    <p:spTree>
+      <p:nvGrpSpPr>
+        <p:cNvPr id="1" name=""/>
+        <p:cNvGrpSpPr/>
+        <p:nvPr/>
+      </p:nvGrpSpPr>
+      <p:grpSpPr>
+        <a:xfrm>
+          <a:off x="0" y="0"/>
+          <a:ext cx="0" cy="0"/>
+          <a:chOff x="0" y="0"/>
+          <a:chExt cx="0" cy="0"/>
+        </a:xfrm>
+      </p:grpSpPr>
+      <p:sp xmlns:r="http://schemas.openxmlformats.org/officeDocument/2006/relationships">
+        <p:nvSpPr>
+          <p:cNvPr id="2" name="Title 1">
+            <a:extLst>
+              <a:ext uri="{FF2B5EF4-FFF2-40B4-BE49-F238E27FC236}">
+                <a16:creationId xmlns:a16="http://schemas.microsoft.com/office/drawing/2014/main" id="{7230846B-7B57-4F95-B17F-B9DEE339408B}"/>
+              </a:ext>
+            </a:extLst>
+          </p:cNvPr>
+          <p:cNvSpPr>
+            <a:spLocks noGrp="1"/>
+          </p:cNvSpPr>
+          <p:nvPr>
+            <p:ph type="title"/>
+          </p:nvPr>
+        </p:nvSpPr>
+        <p:spPr/>
+        <p:txBody>
+          <a:bodyPr/>
+          <a:lstStyle/>
+          <a:p>
+            <a:r>
+              <a:rPr lang="en-US"/>
+              <a:t>Threats and Conservation</a:t>
+            </a:r>
+            <a:endParaRPr lang="en-US"/>
+          </a:p>
+        </p:txBody>
+      </p:sp>
+      <p:sp xmlns:r="http://schemas.openxmlformats.org/officeDocument/2006/relationships">
+        <p:nvSpPr>
+          <p:cNvPr id="3" name="Content Placeholder 2">
+            <a:extLst>
+              <a:ext uri="{FF2B5EF4-FFF2-40B4-BE49-F238E27FC236}">
+                <a16:creationId xmlns:a16="http://schemas.microsoft.com/office/drawing/2014/main" id="{E9B08814-722A-4F2C-8807-C09FEEC251E7}"/>
+              </a:ext>
+            </a:extLst>
+          </p:cNvPr>
+          <p:cNvSpPr>
+            <a:spLocks noGrp="1"/>
+          </p:cNvSpPr>
+          <p:nvPr>
+            <p:ph idx="1"/>
+          </p:nvPr>
+        </p:nvSpPr>
+        <p:spPr>
+          <a:xfrm>
+            <a:off x="838200" y="2438403"/>
+            <a:ext cx="10515600" cy="3545204"/>
+          </a:xfrm>
+        </p:spPr>
+        <p:txBody>
+          <a:bodyPr/>
+          <a:lstStyle/>
+          <a:p>
+            <a:r>
+              <a:rPr lang="en-US"/>
+              <a:t> The Green Iguana, Caiman Lizard, and Tepui Lizard are among the most captivating species of lizards in South America.
+ These lizards face various threats, including habitat loss, illegal pet trade, and climate change.
+ Conservation efforts are crucial to ensure their survival and wellbeing, involving protected areas, responsible pet ownership, and minimizing pollution.</a:t>
             </a:r>
           </a:p>
         </p:txBody>
@@ -38323,7 +38681,7 @@
           <a:p>
             <a:r>
               <a:rPr lang="en-US"/>
-              <a:t>Iguanidae This family includes the iconic Green Iguana (Iguana iguana), which is one of the</a:t>
+              <a:t>Abstract</a:t>
             </a:r>
             <a:endParaRPr lang="en-US"/>
           </a:p>
@@ -38357,8 +38715,183 @@
           <a:p>
             <a:r>
               <a:rPr lang="en-US"/>
-              <a:t> The Green Iguana is one of the most wellknown lizards in the region.
- Iguanidae includes a variety of species.</a:t>
+              <a:t> South America boasts a diverse range of lizard species, contributing significantly to the continent's biodiversity.
+ This research paper aims to provide an overview of various South American lizard species, their unique characteristics, habitats, and ecological importance.</a:t>
+            </a:r>
+          </a:p>
+        </p:txBody>
+      </p:sp>
+    </p:spTree>
+  </p:cSld>
+  <p:clrMapOvr>
+    <a:masterClrMapping/>
+  </p:clrMapOvr>
+</p:sld>
+</file>
+
+<file path=ppt/slides/slide20.xml><?xml version="1.0" encoding="utf-8"?>
+<p:sld xmlns:p="http://schemas.openxmlformats.org/presentationml/2006/main" xmlns:a="http://schemas.openxmlformats.org/drawingml/2006/main">
+  <p:cSld>
+    <p:spTree>
+      <p:nvGrpSpPr>
+        <p:cNvPr id="1" name=""/>
+        <p:cNvGrpSpPr/>
+        <p:nvPr/>
+      </p:nvGrpSpPr>
+      <p:grpSpPr>
+        <a:xfrm>
+          <a:off x="0" y="0"/>
+          <a:ext cx="0" cy="0"/>
+          <a:chOff x="0" y="0"/>
+          <a:chExt cx="0" cy="0"/>
+        </a:xfrm>
+      </p:grpSpPr>
+      <p:sp xmlns:r="http://schemas.openxmlformats.org/officeDocument/2006/relationships">
+        <p:nvSpPr>
+          <p:cNvPr id="2" name="Title 1">
+            <a:extLst>
+              <a:ext uri="{FF2B5EF4-FFF2-40B4-BE49-F238E27FC236}">
+                <a16:creationId xmlns:a16="http://schemas.microsoft.com/office/drawing/2014/main" id="{7230846B-7B57-4F95-B17F-B9DEE339408B}"/>
+              </a:ext>
+            </a:extLst>
+          </p:cNvPr>
+          <p:cNvSpPr>
+            <a:spLocks noGrp="1"/>
+          </p:cNvSpPr>
+          <p:nvPr>
+            <p:ph type="title"/>
+          </p:nvPr>
+        </p:nvSpPr>
+        <p:spPr/>
+        <p:txBody>
+          <a:bodyPr/>
+          <a:lstStyle/>
+          <a:p>
+            <a:r>
+              <a:rPr lang="en-US"/>
+              <a:t>Ecological Roles</a:t>
+            </a:r>
+            <a:endParaRPr lang="en-US"/>
+          </a:p>
+        </p:txBody>
+      </p:sp>
+      <p:sp xmlns:r="http://schemas.openxmlformats.org/officeDocument/2006/relationships">
+        <p:nvSpPr>
+          <p:cNvPr id="3" name="Content Placeholder 2">
+            <a:extLst>
+              <a:ext uri="{FF2B5EF4-FFF2-40B4-BE49-F238E27FC236}">
+                <a16:creationId xmlns:a16="http://schemas.microsoft.com/office/drawing/2014/main" id="{E9B08814-722A-4F2C-8807-C09FEEC251E7}"/>
+              </a:ext>
+            </a:extLst>
+          </p:cNvPr>
+          <p:cNvSpPr>
+            <a:spLocks noGrp="1"/>
+          </p:cNvSpPr>
+          <p:nvPr>
+            <p:ph idx="1"/>
+          </p:nvPr>
+        </p:nvSpPr>
+        <p:spPr>
+          <a:xfrm>
+            <a:off x="838200" y="2438403"/>
+            <a:ext cx="10515600" cy="3545204"/>
+          </a:xfrm>
+        </p:spPr>
+        <p:txBody>
+          <a:bodyPr/>
+          <a:lstStyle/>
+          <a:p>
+            <a:r>
+              <a:rPr lang="en-US"/>
+              <a:t> South American lizards play various ecological roles in their respective habitats, including insect control, seed dispersal, and serving as a vital link in the food chain.</a:t>
+            </a:r>
+          </a:p>
+        </p:txBody>
+      </p:sp>
+    </p:spTree>
+  </p:cSld>
+  <p:clrMapOvr>
+    <a:masterClrMapping/>
+  </p:clrMapOvr>
+</p:sld>
+</file>
+
+<file path=ppt/slides/slide21.xml><?xml version="1.0" encoding="utf-8"?>
+<p:sld xmlns:p="http://schemas.openxmlformats.org/presentationml/2006/main" xmlns:a="http://schemas.openxmlformats.org/drawingml/2006/main">
+  <p:cSld>
+    <p:spTree>
+      <p:nvGrpSpPr>
+        <p:cNvPr id="1" name=""/>
+        <p:cNvGrpSpPr/>
+        <p:nvPr/>
+      </p:nvGrpSpPr>
+      <p:grpSpPr>
+        <a:xfrm>
+          <a:off x="0" y="0"/>
+          <a:ext cx="0" cy="0"/>
+          <a:chOff x="0" y="0"/>
+          <a:chExt cx="0" cy="0"/>
+        </a:xfrm>
+      </p:grpSpPr>
+      <p:sp xmlns:r="http://schemas.openxmlformats.org/officeDocument/2006/relationships">
+        <p:nvSpPr>
+          <p:cNvPr id="2" name="Title 1">
+            <a:extLst>
+              <a:ext uri="{FF2B5EF4-FFF2-40B4-BE49-F238E27FC236}">
+                <a16:creationId xmlns:a16="http://schemas.microsoft.com/office/drawing/2014/main" id="{7230846B-7B57-4F95-B17F-B9DEE339408B}"/>
+              </a:ext>
+            </a:extLst>
+          </p:cNvPr>
+          <p:cNvSpPr>
+            <a:spLocks noGrp="1"/>
+          </p:cNvSpPr>
+          <p:nvPr>
+            <p:ph type="title"/>
+          </p:nvPr>
+        </p:nvSpPr>
+        <p:spPr/>
+        <p:txBody>
+          <a:bodyPr/>
+          <a:lstStyle/>
+          <a:p>
+            <a:r>
+              <a:rPr lang="en-US"/>
+              <a:t>Conclusion</a:t>
+            </a:r>
+            <a:endParaRPr lang="en-US"/>
+          </a:p>
+        </p:txBody>
+      </p:sp>
+      <p:sp xmlns:r="http://schemas.openxmlformats.org/officeDocument/2006/relationships">
+        <p:nvSpPr>
+          <p:cNvPr id="3" name="Content Placeholder 2">
+            <a:extLst>
+              <a:ext uri="{FF2B5EF4-FFF2-40B4-BE49-F238E27FC236}">
+                <a16:creationId xmlns:a16="http://schemas.microsoft.com/office/drawing/2014/main" id="{E9B08814-722A-4F2C-8807-C09FEEC251E7}"/>
+              </a:ext>
+            </a:extLst>
+          </p:cNvPr>
+          <p:cNvSpPr>
+            <a:spLocks noGrp="1"/>
+          </p:cNvSpPr>
+          <p:nvPr>
+            <p:ph idx="1"/>
+          </p:nvPr>
+        </p:nvSpPr>
+        <p:spPr>
+          <a:xfrm>
+            <a:off x="838200" y="2438403"/>
+            <a:ext cx="10515600" cy="3545204"/>
+          </a:xfrm>
+        </p:spPr>
+        <p:txBody>
+          <a:bodyPr/>
+          <a:lstStyle/>
+          <a:p>
+            <a:r>
+              <a:rPr lang="en-US"/>
+              <a:t> South American lizards are a diverse group of reptiles that play critical roles in their respective ecosystems.
+ They face numerous threats, such as habitat loss, climate change, and illegal trade, which necessitate urgent conservation efforts.</a:t>
             </a:r>
           </a:p>
         </p:txBody>
@@ -38411,7 +38944,7 @@
           <a:p>
             <a:r>
               <a:rPr lang="en-US"/>
-              <a:t>Teiidae The Teiidae family is commonly referred to as "whiptails" or "racerunners" These</a:t>
+              <a:t>Biodiversity and Distribution of South American Lizards</a:t>
             </a:r>
             <a:endParaRPr lang="en-US"/>
           </a:p>
@@ -38445,7 +38978,7 @@
           <a:p>
             <a:r>
               <a:rPr lang="en-US"/>
-              <a:t> Teiidae, commonly known as whiptails or racerunners, is a family of lizards.</a:t>
+              <a:t> South America is home to a diverse range of lizard families, each with its unique characteristics and adaptations to the various habitats found across the continent.</a:t>
             </a:r>
           </a:p>
         </p:txBody>
@@ -38498,7 +39031,7 @@
           <a:p>
             <a:r>
               <a:rPr lang="en-US"/>
-              <a:t>Gymnophthalmidae This family is composed of small, slender lizards often found in forested</a:t>
+              <a:t>Iguanidae</a:t>
             </a:r>
             <a:endParaRPr lang="en-US"/>
           </a:p>
@@ -38532,7 +39065,8 @@
           <a:p>
             <a:r>
               <a:rPr lang="en-US"/>
-              <a:t>Gymnophthalmidae: This family is composed of small, slender lizards often found in forested regions. They are characterized by their reduced limbs and elongated bodies, and they play essential roles in insect control within their ecosystems.</a:t>
+              <a:t> The Green Iguana is one of the most wellknown lizards in the region.
+ Iguanidae includes a variety of species.</a:t>
             </a:r>
           </a:p>
         </p:txBody>
@@ -38585,7 +39119,7 @@
           <a:p>
             <a:r>
               <a:rPr lang="en-US"/>
-              <a:t>Gekkonidae Geckos are representatives of the Gekkonidae family in South America These</a:t>
+              <a:t>Teiidae</a:t>
             </a:r>
             <a:endParaRPr lang="en-US"/>
           </a:p>
@@ -38619,7 +39153,8 @@
           <a:p>
             <a:r>
               <a:rPr lang="en-US"/>
-              <a:t> Geckos are nocturnal lizards found in certain parts of South America.</a:t>
+              <a:t> Teiidae is commonly referred to as "whiptails" or "racerunners."
+ These lizards are known for their slender bodies, long tails, and quick movements.</a:t>
             </a:r>
           </a:p>
         </p:txBody>
@@ -38672,7 +39207,7 @@
           <a:p>
             <a:r>
               <a:rPr lang="en-US"/>
-              <a:t>Sphaerodactylidae The Sphaerodactylidae family consists of small geckos known as "dwarf</a:t>
+              <a:t>Gymnophthalmidae</a:t>
             </a:r>
             <a:endParaRPr lang="en-US"/>
           </a:p>
@@ -38706,7 +39241,7 @@
           <a:p>
             <a:r>
               <a:rPr lang="en-US"/>
-              <a:t>Sphaerodactylidae: The Sphaerodactylidae family consists of small geckos known as \"dwarf geckos.\" These miniature lizards are often found in leaf litter and rocky areas, displaying a remarkable range of coloration and patterns.</a:t>
+              <a:t>3 Gymnophthalmidae This family is composed of small, slender lizards often found in forested regions. They are characterized by their reduced limbs and elongated bodies, and they play essential roles in insect control within their ecosystems.</a:t>
             </a:r>
           </a:p>
         </p:txBody>
@@ -38759,7 +39294,7 @@
           <a:p>
             <a:r>
               <a:rPr lang="en-US"/>
-              <a:t>Dactyloidae The Anoles are members of the Dactyloidae family, and several species inhabit</a:t>
+              <a:t>Gekkonidae</a:t>
             </a:r>
             <a:endParaRPr lang="en-US"/>
           </a:p>
@@ -38793,8 +39328,8 @@
           <a:p>
             <a:r>
               <a:rPr lang="en-US"/>
-              <a:t> Anoles are lizards that are part of the Dactyloidae family.
- They are characterized by their ability to change color.</a:t>
+              <a:t> Geckos are nocturnal lizards with adhesive toe pads.
+ The Gold Dust Day Gecko is a species found in South America.</a:t>
             </a:r>
           </a:p>
         </p:txBody>
@@ -38847,7 +39382,7 @@
           <a:p>
             <a:r>
               <a:rPr lang="en-US"/>
-              <a:t>Leiosauridae This family comprises various "perching lizards" found across South America</a:t>
+              <a:t>Sphaerodactylidae</a:t>
             </a:r>
             <a:endParaRPr lang="en-US"/>
           </a:p>
@@ -38881,7 +39416,7 @@
           <a:p>
             <a:r>
               <a:rPr lang="en-US"/>
-              <a:t>Leiosauridae: This family comprises various \"perching lizards\" found across South America. They are typically diurnal and often seen basking in the sun on rocks and branches.</a:t>
+              <a:t>5. Sphaerodactylidae The Sphaerodactylidae family consists of small geckos known as \"dwarf geckos.\" These miniature lizards are often found in leaf litter and rocky areas, displaying a remarkable range of coloration and patterns.</a:t>
             </a:r>
           </a:p>
         </p:txBody>
@@ -38934,7 +39469,7 @@
           <a:p>
             <a:r>
               <a:rPr lang="en-US"/>
-              <a:t>Polychrotidae Another family containing the anole lizards, Polychrotidae includes several</a:t>
+              <a:t>Dactyloidae</a:t>
             </a:r>
             <a:endParaRPr lang="en-US"/>
           </a:p>
@@ -38968,8 +39503,9 @@
           <a:p>
             <a:r>
               <a:rPr lang="en-US"/>
-              <a:t> The continent of South America is home to numerous lizard families, each with its unique characteristics and habitats.
- This article provides a brief overview of some of the most notable lizard families found in South America.</a:t>
+              <a:t> Anoles are members of the Dactyloidae family.
+ Several species inhabit South America.
+ They are characterized by their ability to change color.</a:t>
             </a:r>
           </a:p>
         </p:txBody>
